--- a/Dhatshana-batch.pptx
+++ b/Dhatshana-batch.pptx
@@ -5,7 +5,7 @@
     <p:sldMasterId id="2147483876" r:id="rId1"/>
   </p:sldMasterIdLst>
   <p:notesMasterIdLst>
-    <p:notesMasterId r:id="rId11"/>
+    <p:notesMasterId r:id="rId10"/>
   </p:notesMasterIdLst>
   <p:sldIdLst>
     <p:sldId id="256" r:id="rId2"/>
@@ -16,7 +16,6 @@
     <p:sldId id="260" r:id="rId7"/>
     <p:sldId id="264" r:id="rId8"/>
     <p:sldId id="261" r:id="rId9"/>
-    <p:sldId id="262" r:id="rId10"/>
   </p:sldIdLst>
   <p:sldSz cx="9144000" cy="6858000" type="screen4x3"/>
   <p:notesSz cx="6858000" cy="9144000"/>
@@ -372,7 +371,7 @@
     </p:spTree>
     <p:extLst>
       <p:ext uri="{BB962C8B-B14F-4D97-AF65-F5344CB8AC3E}">
-        <p14:creationId xmlns="" xmlns:p14="http://schemas.microsoft.com/office/powerpoint/2010/main" val="882880832"/>
+        <p14:creationId xmlns:p14="http://schemas.microsoft.com/office/powerpoint/2010/main" xmlns="" val="882880832"/>
       </p:ext>
     </p:extLst>
   </p:cSld>
@@ -4053,23 +4052,37 @@
           <a:p>
             <a:pPr algn="ctr"/>
             <a:r>
-              <a:rPr lang="en-US" sz="3200" b="1" i="1" dirty="0" smtClean="0">
+              <a:rPr lang="en-US" sz="3200" b="1" i="1" u="sng" dirty="0" smtClean="0">
                 <a:solidFill>
                   <a:schemeClr val="tx1">
                     <a:lumMod val="50000"/>
                     <a:lumOff val="50000"/>
                   </a:schemeClr>
                 </a:solidFill>
+                <a:effectLst>
+                  <a:outerShdw blurRad="38100" dist="38100" dir="2700000" algn="tl">
+                    <a:srgbClr val="000000">
+                      <a:alpha val="43137"/>
+                    </a:srgbClr>
+                  </a:outerShdw>
+                </a:effectLst>
               </a:rPr>
               <a:t>INTRODUCTION</a:t>
             </a:r>
-            <a:endParaRPr lang="en-US" sz="3200" b="1" i="1" dirty="0">
+            <a:endParaRPr lang="en-US" sz="3200" b="1" i="1" u="sng" dirty="0">
               <a:solidFill>
                 <a:schemeClr val="tx1">
                   <a:lumMod val="50000"/>
                   <a:lumOff val="50000"/>
                 </a:schemeClr>
               </a:solidFill>
+              <a:effectLst>
+                <a:outerShdw blurRad="38100" dist="38100" dir="2700000" algn="tl">
+                  <a:srgbClr val="000000">
+                    <a:alpha val="43137"/>
+                  </a:srgbClr>
+                </a:outerShdw>
+              </a:effectLst>
             </a:endParaRPr>
           </a:p>
         </p:txBody>
@@ -4241,7 +4254,7 @@
           <a:lstStyle/>
           <a:p>
             <a:r>
-              <a:rPr lang="en-US" b="1" i="1" dirty="0" smtClean="0">
+              <a:rPr lang="en-US" b="1" i="1" u="sng" dirty="0" smtClean="0">
                 <a:solidFill>
                   <a:schemeClr val="tx1">
                     <a:lumMod val="50000"/>
@@ -4251,7 +4264,7 @@
               </a:rPr>
               <a:t>EXISTING SYSTEM</a:t>
             </a:r>
-            <a:endParaRPr lang="en-US" b="1" i="1" dirty="0">
+            <a:endParaRPr lang="en-US" b="1" i="1" u="sng" dirty="0">
               <a:solidFill>
                 <a:schemeClr val="tx1">
                   <a:lumMod val="50000"/>
@@ -4285,24 +4298,15 @@
           <a:p>
             <a:r>
               <a:rPr lang="en-US" sz="2800" dirty="0" smtClean="0"/>
-              <a:t>Threats act could use MITM attack to harvest personal information or login </a:t>
-            </a:r>
+              <a:t>Threats act could use MITM attack to harvest personal information or login credentials</a:t>
+            </a:r>
+            <a:endParaRPr lang="en-US" dirty="0" smtClean="0"/>
+          </a:p>
+          <a:p>
             <a:r>
               <a:rPr lang="en-US" sz="2800" dirty="0" smtClean="0"/>
-              <a:t>credentials</a:t>
-            </a:r>
-            <a:endParaRPr lang="en-US" dirty="0" smtClean="0"/>
-          </a:p>
-          <a:p>
-            <a:r>
-              <a:rPr lang="en-US" sz="2800" dirty="0" smtClean="0"/>
-              <a:t>FTP ,Telnet, </a:t>
-            </a:r>
-            <a:r>
-              <a:rPr lang="en-US" sz="2800" smtClean="0"/>
-              <a:t>session hijacking</a:t>
-            </a:r>
-            <a:endParaRPr lang="en-US" sz="2800" dirty="0" smtClean="0"/>
+              <a:t>FTP ,Telnet, session hijacking</a:t>
+            </a:r>
           </a:p>
         </p:txBody>
       </p:sp>
@@ -4347,10 +4351,38 @@
           <a:lstStyle/>
           <a:p>
             <a:r>
-              <a:rPr lang="en-US" dirty="0" smtClean="0"/>
+              <a:rPr lang="en-US" b="1" i="1" u="sng" dirty="0" smtClean="0">
+                <a:solidFill>
+                  <a:schemeClr val="tx1">
+                    <a:lumMod val="50000"/>
+                    <a:lumOff val="50000"/>
+                  </a:schemeClr>
+                </a:solidFill>
+                <a:effectLst>
+                  <a:outerShdw blurRad="38100" dist="38100" dir="2700000" algn="tl">
+                    <a:srgbClr val="000000">
+                      <a:alpha val="43137"/>
+                    </a:srgbClr>
+                  </a:outerShdw>
+                </a:effectLst>
+              </a:rPr>
               <a:t>DEMERITS</a:t>
             </a:r>
-            <a:endParaRPr lang="en-US" dirty="0"/>
+            <a:endParaRPr lang="en-US" b="1" i="1" u="sng" dirty="0">
+              <a:solidFill>
+                <a:schemeClr val="tx1">
+                  <a:lumMod val="50000"/>
+                  <a:lumOff val="50000"/>
+                </a:schemeClr>
+              </a:solidFill>
+              <a:effectLst>
+                <a:outerShdw blurRad="38100" dist="38100" dir="2700000" algn="tl">
+                  <a:srgbClr val="000000">
+                    <a:alpha val="43137"/>
+                  </a:srgbClr>
+                </a:outerShdw>
+              </a:effectLst>
+            </a:endParaRPr>
           </a:p>
         </p:txBody>
       </p:sp>
@@ -4379,7 +4411,6 @@
               <a:rPr lang="en-US" dirty="0" smtClean="0"/>
               <a:t>Cant able to update the tool.</a:t>
             </a:r>
-            <a:endParaRPr lang="en-US" dirty="0" smtClean="0"/>
           </a:p>
           <a:p>
             <a:endParaRPr lang="en-US" dirty="0"/>
@@ -4427,23 +4458,37 @@
           <a:lstStyle/>
           <a:p>
             <a:r>
-              <a:rPr lang="en-US" b="1" i="1" dirty="0" smtClean="0">
+              <a:rPr lang="en-US" b="1" i="1" u="sng" dirty="0" smtClean="0">
                 <a:solidFill>
                   <a:schemeClr val="tx1">
                     <a:lumMod val="50000"/>
                     <a:lumOff val="50000"/>
                   </a:schemeClr>
                 </a:solidFill>
+                <a:effectLst>
+                  <a:outerShdw blurRad="38100" dist="38100" dir="2700000" algn="tl">
+                    <a:srgbClr val="000000">
+                      <a:alpha val="43137"/>
+                    </a:srgbClr>
+                  </a:outerShdw>
+                </a:effectLst>
               </a:rPr>
               <a:t>PROPOSED SYSTEM</a:t>
             </a:r>
-            <a:endParaRPr lang="en-US" b="1" i="1" dirty="0">
+            <a:endParaRPr lang="en-US" b="1" i="1" u="sng" dirty="0">
               <a:solidFill>
                 <a:schemeClr val="tx1">
                   <a:lumMod val="50000"/>
                   <a:lumOff val="50000"/>
                 </a:schemeClr>
               </a:solidFill>
+              <a:effectLst>
+                <a:outerShdw blurRad="38100" dist="38100" dir="2700000" algn="tl">
+                  <a:srgbClr val="000000">
+                    <a:alpha val="43137"/>
+                  </a:srgbClr>
+                </a:outerShdw>
+              </a:effectLst>
             </a:endParaRPr>
           </a:p>
         </p:txBody>
@@ -4524,53 +4569,88 @@
         </p:nvSpPr>
         <p:spPr/>
         <p:txBody>
+          <a:bodyPr>
+            <a:normAutofit/>
+          </a:bodyPr>
+          <a:lstStyle/>
+          <a:p>
+            <a:r>
+              <a:rPr lang="en-US" sz="4000" b="1" i="1" u="sng" dirty="0" smtClean="0">
+                <a:solidFill>
+                  <a:schemeClr val="tx1">
+                    <a:lumMod val="50000"/>
+                    <a:lumOff val="50000"/>
+                  </a:schemeClr>
+                </a:solidFill>
+                <a:effectLst>
+                  <a:outerShdw blurRad="38100" dist="38100" dir="2700000" algn="tl">
+                    <a:srgbClr val="000000">
+                      <a:alpha val="43137"/>
+                    </a:srgbClr>
+                  </a:outerShdw>
+                </a:effectLst>
+              </a:rPr>
+              <a:t>MERITS</a:t>
+            </a:r>
+            <a:endParaRPr lang="en-US" sz="4000" b="1" i="1" u="sng" dirty="0">
+              <a:solidFill>
+                <a:schemeClr val="tx1">
+                  <a:lumMod val="50000"/>
+                  <a:lumOff val="50000"/>
+                </a:schemeClr>
+              </a:solidFill>
+              <a:effectLst>
+                <a:outerShdw blurRad="38100" dist="38100" dir="2700000" algn="tl">
+                  <a:srgbClr val="000000">
+                    <a:alpha val="43137"/>
+                  </a:srgbClr>
+                </a:outerShdw>
+              </a:effectLst>
+            </a:endParaRPr>
+          </a:p>
+        </p:txBody>
+      </p:sp>
+      <p:sp>
+        <p:nvSpPr>
+          <p:cNvPr id="3" name="Content Placeholder 2"/>
+          <p:cNvSpPr>
+            <a:spLocks noGrp="1"/>
+          </p:cNvSpPr>
+          <p:nvPr>
+            <p:ph idx="1"/>
+          </p:nvPr>
+        </p:nvSpPr>
+        <p:spPr/>
+        <p:txBody>
           <a:bodyPr/>
           <a:lstStyle/>
           <a:p>
             <a:r>
               <a:rPr lang="en-US" dirty="0" smtClean="0"/>
-              <a:t>MERITS</a:t>
-            </a:r>
-            <a:endParaRPr lang="en-US" dirty="0"/>
-          </a:p>
-        </p:txBody>
-      </p:sp>
-      <p:sp>
-        <p:nvSpPr>
-          <p:cNvPr id="3" name="Content Placeholder 2"/>
-          <p:cNvSpPr>
-            <a:spLocks noGrp="1"/>
-          </p:cNvSpPr>
-          <p:nvPr>
-            <p:ph idx="1"/>
-          </p:nvPr>
-        </p:nvSpPr>
-        <p:spPr/>
-        <p:txBody>
-          <a:bodyPr/>
-          <a:lstStyle/>
-          <a:p>
+              <a:t>To </a:t>
+            </a:r>
             <a:r>
               <a:rPr lang="en-US" dirty="0" smtClean="0"/>
-              <a:t>To prevent the ARP Request from the router in </a:t>
+              <a:t>prevent the ARP Request from the router in </a:t>
             </a:r>
             <a:r>
               <a:rPr lang="en-US" b="1" dirty="0" smtClean="0"/>
-              <a:t>very less </a:t>
+              <a:t>very </a:t>
+            </a:r>
+            <a:r>
+              <a:rPr lang="en-US" b="1" dirty="0" smtClean="0"/>
+              <a:t>less </a:t>
             </a:r>
             <a:r>
               <a:rPr lang="en-US" dirty="0" smtClean="0"/>
               <a:t>interval.</a:t>
             </a:r>
+            <a:endParaRPr lang="en-US" dirty="0" smtClean="0"/>
           </a:p>
           <a:p>
             <a:r>
               <a:rPr lang="en-US" dirty="0" smtClean="0"/>
-              <a:t>If it is sent continuously it has conclude that our network has been affected by ARP poisoning</a:t>
-            </a:r>
-            <a:r>
-              <a:rPr lang="en-US" dirty="0" smtClean="0"/>
-              <a:t>.</a:t>
+              <a:t>If it is sent continuously it has conclude that our network has been affected by ARP poisoning.</a:t>
             </a:r>
           </a:p>
           <a:p>
@@ -4633,23 +4713,73 @@
           <a:lstStyle/>
           <a:p>
             <a:r>
-              <a:rPr lang="en-US" i="1" dirty="0" smtClean="0">
+              <a:rPr lang="en-US" b="1" i="1" u="sng" dirty="0" smtClean="0">
                 <a:solidFill>
                   <a:schemeClr val="tx1">
-                    <a:lumMod val="65000"/>
-                    <a:lumOff val="35000"/>
+                    <a:lumMod val="50000"/>
+                    <a:lumOff val="50000"/>
                   </a:schemeClr>
                 </a:solidFill>
+                <a:effectLst>
+                  <a:outerShdw blurRad="38100" dist="38100" dir="2700000" algn="tl">
+                    <a:srgbClr val="000000">
+                      <a:alpha val="43137"/>
+                    </a:srgbClr>
+                  </a:outerShdw>
+                </a:effectLst>
               </a:rPr>
-              <a:t>LITERATURE SURVEY</a:t>
-            </a:r>
-            <a:endParaRPr lang="en-US" i="1" dirty="0">
+              <a:t>LITERATURE</a:t>
+            </a:r>
+            <a:r>
+              <a:rPr lang="en-US" b="1" i="1" dirty="0" smtClean="0">
+                <a:solidFill>
+                  <a:schemeClr val="tx1">
+                    <a:lumMod val="50000"/>
+                    <a:lumOff val="50000"/>
+                  </a:schemeClr>
+                </a:solidFill>
+                <a:effectLst>
+                  <a:outerShdw blurRad="38100" dist="38100" dir="2700000" algn="tl">
+                    <a:srgbClr val="000000">
+                      <a:alpha val="43137"/>
+                    </a:srgbClr>
+                  </a:outerShdw>
+                </a:effectLst>
+              </a:rPr>
+              <a:t> </a:t>
+            </a:r>
+            <a:r>
+              <a:rPr lang="en-US" b="1" i="1" u="sng" dirty="0" smtClean="0">
+                <a:solidFill>
+                  <a:schemeClr val="tx1">
+                    <a:lumMod val="50000"/>
+                    <a:lumOff val="50000"/>
+                  </a:schemeClr>
+                </a:solidFill>
+                <a:effectLst>
+                  <a:outerShdw blurRad="38100" dist="38100" dir="2700000" algn="tl">
+                    <a:srgbClr val="000000">
+                      <a:alpha val="43137"/>
+                    </a:srgbClr>
+                  </a:outerShdw>
+                </a:effectLst>
+              </a:rPr>
+              <a:t>SURVEY</a:t>
+            </a:r>
+            <a:endParaRPr lang="en-US" b="1" i="1" u="sng" dirty="0">
               <a:solidFill>
                 <a:schemeClr val="tx1">
-                  <a:lumMod val="65000"/>
-                  <a:lumOff val="35000"/>
+                  <a:lumMod val="50000"/>
+                  <a:lumOff val="50000"/>
                 </a:schemeClr>
               </a:solidFill>
+              <a:effectLst>
+                <a:outerShdw blurRad="38100" dist="38100" dir="2700000" algn="tl">
+                  <a:srgbClr val="000000">
+                    <a:alpha val="43137"/>
+                  </a:srgbClr>
+                </a:outerShdw>
+              </a:effectLst>
             </a:endParaRPr>
           </a:p>
         </p:txBody>
@@ -4664,7 +4794,7 @@
             <p:ph idx="1"/>
             <p:extLst>
               <p:ext uri="{D42A27DB-BD31-4B8C-83A1-F6EECF244321}">
-                <p14:modId xmlns="" xmlns:p14="http://schemas.microsoft.com/office/powerpoint/2010/main" val="1276907122"/>
+                <p14:modId xmlns:p14="http://schemas.microsoft.com/office/powerpoint/2010/main" xmlns="" val="1276907122"/>
               </p:ext>
             </p:extLst>
           </p:nvPr>
@@ -5537,66 +5667,6 @@
         </a:graphic>
       </p:graphicFrame>
     </p:spTree>
-  </p:cSld>
-  <p:clrMapOvr>
-    <a:masterClrMapping/>
-  </p:clrMapOvr>
-</p:sld>
-</file>
-
-<file path=ppt/slides/slide9.xml><?xml version="1.0" encoding="utf-8"?>
-<p:sld xmlns:a="http://schemas.openxmlformats.org/drawingml/2006/main" xmlns:r="http://schemas.openxmlformats.org/officeDocument/2006/relationships" xmlns:p="http://schemas.openxmlformats.org/presentationml/2006/main">
-  <p:cSld>
-    <p:spTree>
-      <p:nvGrpSpPr>
-        <p:cNvPr id="1" name=""/>
-        <p:cNvGrpSpPr/>
-        <p:nvPr/>
-      </p:nvGrpSpPr>
-      <p:grpSpPr>
-        <a:xfrm>
-          <a:off x="0" y="0"/>
-          <a:ext cx="0" cy="0"/>
-          <a:chOff x="0" y="0"/>
-          <a:chExt cx="0" cy="0"/>
-        </a:xfrm>
-      </p:grpSpPr>
-      <p:sp>
-        <p:nvSpPr>
-          <p:cNvPr id="3" name="TextBox 2"/>
-          <p:cNvSpPr txBox="1"/>
-          <p:nvPr/>
-        </p:nvSpPr>
-        <p:spPr>
-          <a:xfrm>
-            <a:off x="3276600" y="3428998"/>
-            <a:ext cx="2104230" cy="646331"/>
-          </a:xfrm>
-          <a:prstGeom prst="rect">
-            <a:avLst/>
-          </a:prstGeom>
-          <a:noFill/>
-        </p:spPr>
-        <p:txBody>
-          <a:bodyPr wrap="none" rtlCol="0">
-            <a:spAutoFit/>
-          </a:bodyPr>
-          <a:lstStyle/>
-          <a:p>
-            <a:r>
-              <a:rPr lang="en-US" sz="3600" dirty="0" smtClean="0"/>
-              <a:t>Thank You</a:t>
-            </a:r>
-            <a:endParaRPr lang="en-US" sz="3600" dirty="0"/>
-          </a:p>
-        </p:txBody>
-      </p:sp>
-    </p:spTree>
-    <p:extLst>
-      <p:ext uri="{BB962C8B-B14F-4D97-AF65-F5344CB8AC3E}">
-        <p14:creationId xmlns="" xmlns:p14="http://schemas.microsoft.com/office/powerpoint/2010/main" val="635989107"/>
-      </p:ext>
-    </p:extLst>
   </p:cSld>
   <p:clrMapOvr>
     <a:masterClrMapping/>

--- a/Dhatshana-batch.pptx
+++ b/Dhatshana-batch.pptx
@@ -371,7 +371,7 @@
     </p:spTree>
     <p:extLst>
       <p:ext uri="{BB962C8B-B14F-4D97-AF65-F5344CB8AC3E}">
-        <p14:creationId xmlns:p14="http://schemas.microsoft.com/office/powerpoint/2010/main" xmlns="" val="882880832"/>
+        <p14:creationId xmlns="" xmlns:p14="http://schemas.microsoft.com/office/powerpoint/2010/main" val="882880832"/>
       </p:ext>
     </p:extLst>
   </p:cSld>
@@ -3652,6 +3652,13 @@
                     <a:lumOff val="35000"/>
                   </a:schemeClr>
                 </a:solidFill>
+                <a:effectLst>
+                  <a:outerShdw blurRad="38100" dist="38100" dir="2700000" algn="tl">
+                    <a:srgbClr val="000000">
+                      <a:alpha val="43137"/>
+                    </a:srgbClr>
+                  </a:outerShdw>
+                </a:effectLst>
               </a:rPr>
               <a:t>Submitted by</a:t>
             </a:r>
@@ -3662,6 +3669,13 @@
                   <a:lumOff val="35000"/>
                 </a:schemeClr>
               </a:solidFill>
+              <a:effectLst>
+                <a:outerShdw blurRad="38100" dist="38100" dir="2700000" algn="tl">
+                  <a:srgbClr val="000000">
+                    <a:alpha val="43137"/>
+                  </a:srgbClr>
+                </a:outerShdw>
+              </a:effectLst>
             </a:endParaRPr>
           </a:p>
         </p:txBody>
@@ -3806,6 +3820,13 @@
                     <a:lumOff val="50000"/>
                   </a:schemeClr>
                 </a:solidFill>
+                <a:effectLst>
+                  <a:outerShdw blurRad="38100" dist="38100" dir="2700000" algn="tl">
+                    <a:srgbClr val="000000">
+                      <a:alpha val="43137"/>
+                    </a:srgbClr>
+                  </a:outerShdw>
+                </a:effectLst>
               </a:rPr>
               <a:t>Project Guide</a:t>
             </a:r>
@@ -3816,6 +3837,13 @@
                   <a:lumOff val="50000"/>
                 </a:schemeClr>
               </a:solidFill>
+              <a:effectLst>
+                <a:outerShdw blurRad="38100" dist="38100" dir="2700000" algn="tl">
+                  <a:srgbClr val="000000">
+                    <a:alpha val="43137"/>
+                  </a:srgbClr>
+                </a:outerShdw>
+              </a:effectLst>
             </a:endParaRPr>
           </a:p>
         </p:txBody>
@@ -3937,6 +3965,13 @@
                     <a:lumOff val="35000"/>
                   </a:schemeClr>
                 </a:solidFill>
+                <a:effectLst>
+                  <a:outerShdw blurRad="38100" dist="38100" dir="2700000" algn="tl">
+                    <a:srgbClr val="000000">
+                      <a:alpha val="43137"/>
+                    </a:srgbClr>
+                  </a:outerShdw>
+                </a:effectLst>
               </a:rPr>
               <a:t>OBJECTIVE</a:t>
             </a:r>
@@ -3947,6 +3982,13 @@
                   <a:lumOff val="35000"/>
                 </a:schemeClr>
               </a:solidFill>
+              <a:effectLst>
+                <a:outerShdw blurRad="38100" dist="38100" dir="2700000" algn="tl">
+                  <a:srgbClr val="000000">
+                    <a:alpha val="43137"/>
+                  </a:srgbClr>
+                </a:outerShdw>
+              </a:effectLst>
             </a:endParaRPr>
           </a:p>
         </p:txBody>
@@ -4261,6 +4303,13 @@
                     <a:lumOff val="50000"/>
                   </a:schemeClr>
                 </a:solidFill>
+                <a:effectLst>
+                  <a:outerShdw blurRad="38100" dist="38100" dir="2700000" algn="tl">
+                    <a:srgbClr val="000000">
+                      <a:alpha val="43137"/>
+                    </a:srgbClr>
+                  </a:outerShdw>
+                </a:effectLst>
               </a:rPr>
               <a:t>EXISTING SYSTEM</a:t>
             </a:r>
@@ -4271,6 +4320,13 @@
                   <a:lumOff val="50000"/>
                 </a:schemeClr>
               </a:solidFill>
+              <a:effectLst>
+                <a:outerShdw blurRad="38100" dist="38100" dir="2700000" algn="tl">
+                  <a:srgbClr val="000000">
+                    <a:alpha val="43137"/>
+                  </a:srgbClr>
+                </a:outerShdw>
+              </a:effectLst>
             </a:endParaRPr>
           </a:p>
         </p:txBody>
@@ -4627,25 +4683,16 @@
           <a:p>
             <a:r>
               <a:rPr lang="en-US" dirty="0" smtClean="0"/>
-              <a:t>To </a:t>
-            </a:r>
-            <a:r>
-              <a:rPr lang="en-US" dirty="0" smtClean="0"/>
-              <a:t>prevent the ARP Request from the router in </a:t>
+              <a:t>To prevent the ARP Request from the router in </a:t>
             </a:r>
             <a:r>
               <a:rPr lang="en-US" b="1" dirty="0" smtClean="0"/>
-              <a:t>very </a:t>
-            </a:r>
-            <a:r>
-              <a:rPr lang="en-US" b="1" dirty="0" smtClean="0"/>
-              <a:t>less </a:t>
+              <a:t>very less </a:t>
             </a:r>
             <a:r>
               <a:rPr lang="en-US" dirty="0" smtClean="0"/>
               <a:t>interval.</a:t>
             </a:r>
-            <a:endParaRPr lang="en-US" dirty="0" smtClean="0"/>
           </a:p>
           <a:p>
             <a:r>
@@ -4794,7 +4841,7 @@
             <p:ph idx="1"/>
             <p:extLst>
               <p:ext uri="{D42A27DB-BD31-4B8C-83A1-F6EECF244321}">
-                <p14:modId xmlns:p14="http://schemas.microsoft.com/office/powerpoint/2010/main" xmlns="" val="1276907122"/>
+                <p14:modId xmlns="" xmlns:p14="http://schemas.microsoft.com/office/powerpoint/2010/main" val="1276907122"/>
               </p:ext>
             </p:extLst>
           </p:nvPr>

--- a/Dhatshana-batch.pptx
+++ b/Dhatshana-batch.pptx
@@ -5,7 +5,7 @@
     <p:sldMasterId id="2147483876" r:id="rId1"/>
   </p:sldMasterIdLst>
   <p:notesMasterIdLst>
-    <p:notesMasterId r:id="rId10"/>
+    <p:notesMasterId r:id="rId11"/>
   </p:notesMasterIdLst>
   <p:sldIdLst>
     <p:sldId id="256" r:id="rId2"/>
@@ -16,6 +16,7 @@
     <p:sldId id="260" r:id="rId7"/>
     <p:sldId id="264" r:id="rId8"/>
     <p:sldId id="261" r:id="rId9"/>
+    <p:sldId id="265" r:id="rId10"/>
   </p:sldIdLst>
   <p:sldSz cx="9144000" cy="6858000" type="screen4x3"/>
   <p:notesSz cx="6858000" cy="9144000"/>
@@ -200,7 +201,7 @@
             <a:fld id="{9CC613BD-0CE1-48CF-8C57-83E1E1368783}" type="datetimeFigureOut">
               <a:rPr lang="en-US" smtClean="0"/>
               <a:pPr/>
-              <a:t>3/30/2022</a:t>
+              <a:t>4/5/2022</a:t>
             </a:fld>
             <a:endParaRPr lang="en-US"/>
           </a:p>
@@ -371,7 +372,7 @@
     </p:spTree>
     <p:extLst>
       <p:ext uri="{BB962C8B-B14F-4D97-AF65-F5344CB8AC3E}">
-        <p14:creationId xmlns="" xmlns:p14="http://schemas.microsoft.com/office/powerpoint/2010/main" val="882880832"/>
+        <p14:creationId xmlns:p14="http://schemas.microsoft.com/office/powerpoint/2010/main" val="882880832"/>
       </p:ext>
     </p:extLst>
   </p:cSld>
@@ -735,7 +736,7 @@
             <a:fld id="{066B5A5E-6C17-40CE-8F28-8B57EED25B4E}" type="datetimeFigureOut">
               <a:rPr lang="en-US" smtClean="0"/>
               <a:pPr/>
-              <a:t>3/30/2022</a:t>
+              <a:t>4/5/2022</a:t>
             </a:fld>
             <a:endParaRPr lang="en-US"/>
           </a:p>
@@ -902,7 +903,7 @@
             <a:fld id="{066B5A5E-6C17-40CE-8F28-8B57EED25B4E}" type="datetimeFigureOut">
               <a:rPr lang="en-US" smtClean="0"/>
               <a:pPr/>
-              <a:t>3/30/2022</a:t>
+              <a:t>4/5/2022</a:t>
             </a:fld>
             <a:endParaRPr lang="en-US"/>
           </a:p>
@@ -1079,7 +1080,7 @@
             <a:fld id="{066B5A5E-6C17-40CE-8F28-8B57EED25B4E}" type="datetimeFigureOut">
               <a:rPr lang="en-US" smtClean="0"/>
               <a:pPr/>
-              <a:t>3/30/2022</a:t>
+              <a:t>4/5/2022</a:t>
             </a:fld>
             <a:endParaRPr lang="en-US"/>
           </a:p>
@@ -1246,7 +1247,7 @@
             <a:fld id="{066B5A5E-6C17-40CE-8F28-8B57EED25B4E}" type="datetimeFigureOut">
               <a:rPr lang="en-US" smtClean="0"/>
               <a:pPr/>
-              <a:t>3/30/2022</a:t>
+              <a:t>4/5/2022</a:t>
             </a:fld>
             <a:endParaRPr lang="en-US"/>
           </a:p>
@@ -1489,7 +1490,7 @@
             <a:fld id="{066B5A5E-6C17-40CE-8F28-8B57EED25B4E}" type="datetimeFigureOut">
               <a:rPr lang="en-US" smtClean="0"/>
               <a:pPr/>
-              <a:t>3/30/2022</a:t>
+              <a:t>4/5/2022</a:t>
             </a:fld>
             <a:endParaRPr lang="en-US"/>
           </a:p>
@@ -1774,7 +1775,7 @@
             <a:fld id="{066B5A5E-6C17-40CE-8F28-8B57EED25B4E}" type="datetimeFigureOut">
               <a:rPr lang="en-US" smtClean="0"/>
               <a:pPr/>
-              <a:t>3/30/2022</a:t>
+              <a:t>4/5/2022</a:t>
             </a:fld>
             <a:endParaRPr lang="en-US"/>
           </a:p>
@@ -2193,7 +2194,7 @@
             <a:fld id="{066B5A5E-6C17-40CE-8F28-8B57EED25B4E}" type="datetimeFigureOut">
               <a:rPr lang="en-US" smtClean="0"/>
               <a:pPr/>
-              <a:t>3/30/2022</a:t>
+              <a:t>4/5/2022</a:t>
             </a:fld>
             <a:endParaRPr lang="en-US"/>
           </a:p>
@@ -2308,7 +2309,7 @@
             <a:fld id="{066B5A5E-6C17-40CE-8F28-8B57EED25B4E}" type="datetimeFigureOut">
               <a:rPr lang="en-US" smtClean="0"/>
               <a:pPr/>
-              <a:t>3/30/2022</a:t>
+              <a:t>4/5/2022</a:t>
             </a:fld>
             <a:endParaRPr lang="en-US"/>
           </a:p>
@@ -2400,7 +2401,7 @@
             <a:fld id="{066B5A5E-6C17-40CE-8F28-8B57EED25B4E}" type="datetimeFigureOut">
               <a:rPr lang="en-US" smtClean="0"/>
               <a:pPr/>
-              <a:t>3/30/2022</a:t>
+              <a:t>4/5/2022</a:t>
             </a:fld>
             <a:endParaRPr lang="en-US"/>
           </a:p>
@@ -2674,7 +2675,7 @@
             <a:fld id="{066B5A5E-6C17-40CE-8F28-8B57EED25B4E}" type="datetimeFigureOut">
               <a:rPr lang="en-US" smtClean="0"/>
               <a:pPr/>
-              <a:t>3/30/2022</a:t>
+              <a:t>4/5/2022</a:t>
             </a:fld>
             <a:endParaRPr lang="en-US"/>
           </a:p>
@@ -2924,7 +2925,7 @@
             <a:fld id="{066B5A5E-6C17-40CE-8F28-8B57EED25B4E}" type="datetimeFigureOut">
               <a:rPr lang="en-US" smtClean="0"/>
               <a:pPr/>
-              <a:t>3/30/2022</a:t>
+              <a:t>4/5/2022</a:t>
             </a:fld>
             <a:endParaRPr lang="en-US"/>
           </a:p>
@@ -3134,7 +3135,7 @@
             <a:fld id="{066B5A5E-6C17-40CE-8F28-8B57EED25B4E}" type="datetimeFigureOut">
               <a:rPr lang="en-US" smtClean="0"/>
               <a:pPr/>
-              <a:t>3/30/2022</a:t>
+              <a:t>4/5/2022</a:t>
             </a:fld>
             <a:endParaRPr lang="en-US"/>
           </a:p>
@@ -4841,7 +4842,7 @@
             <p:ph idx="1"/>
             <p:extLst>
               <p:ext uri="{D42A27DB-BD31-4B8C-83A1-F6EECF244321}">
-                <p14:modId xmlns="" xmlns:p14="http://schemas.microsoft.com/office/powerpoint/2010/main" val="1276907122"/>
+                <p14:modId xmlns:p14="http://schemas.microsoft.com/office/powerpoint/2010/main" val="1276907122"/>
               </p:ext>
             </p:extLst>
           </p:nvPr>
@@ -5714,6 +5715,94 @@
         </a:graphic>
       </p:graphicFrame>
     </p:spTree>
+  </p:cSld>
+  <p:clrMapOvr>
+    <a:masterClrMapping/>
+  </p:clrMapOvr>
+</p:sld>
+</file>
+
+<file path=ppt/slides/slide9.xml><?xml version="1.0" encoding="utf-8"?>
+<p:sld xmlns:a="http://schemas.openxmlformats.org/drawingml/2006/main" xmlns:r="http://schemas.openxmlformats.org/officeDocument/2006/relationships" xmlns:p="http://schemas.openxmlformats.org/presentationml/2006/main">
+  <p:cSld>
+    <p:spTree>
+      <p:nvGrpSpPr>
+        <p:cNvPr id="1" name=""/>
+        <p:cNvGrpSpPr/>
+        <p:nvPr/>
+      </p:nvGrpSpPr>
+      <p:grpSpPr>
+        <a:xfrm>
+          <a:off x="0" y="0"/>
+          <a:ext cx="0" cy="0"/>
+          <a:chOff x="0" y="0"/>
+          <a:chExt cx="0" cy="0"/>
+        </a:xfrm>
+      </p:grpSpPr>
+      <p:sp>
+        <p:nvSpPr>
+          <p:cNvPr id="2" name="Title 1"/>
+          <p:cNvSpPr>
+            <a:spLocks noGrp="1"/>
+          </p:cNvSpPr>
+          <p:nvPr>
+            <p:ph type="title"/>
+          </p:nvPr>
+        </p:nvSpPr>
+        <p:spPr>
+          <a:xfrm>
+            <a:off x="762000" y="152400"/>
+            <a:ext cx="7239000" cy="944562"/>
+          </a:xfrm>
+        </p:spPr>
+        <p:txBody>
+          <a:bodyPr/>
+          <a:lstStyle/>
+          <a:p>
+            <a:r>
+              <a:rPr lang="en-US" dirty="0" smtClean="0"/>
+              <a:t>Flow chart</a:t>
+            </a:r>
+            <a:endParaRPr lang="en-US" dirty="0"/>
+          </a:p>
+        </p:txBody>
+      </p:sp>
+      <p:pic>
+        <p:nvPicPr>
+          <p:cNvPr id="5" name="Picture 4" descr="See the source image"/>
+          <p:cNvPicPr/>
+          <p:nvPr/>
+        </p:nvPicPr>
+        <p:blipFill>
+          <a:blip r:embed="rId2"/>
+          <a:srcRect/>
+          <a:stretch>
+            <a:fillRect/>
+          </a:stretch>
+        </p:blipFill>
+        <p:spPr bwMode="auto">
+          <a:xfrm>
+            <a:off x="1066800" y="1209676"/>
+            <a:ext cx="7010400" cy="4800600"/>
+          </a:xfrm>
+          <a:prstGeom prst="rect">
+            <a:avLst/>
+          </a:prstGeom>
+          <a:noFill/>
+          <a:ln w="9525">
+            <a:noFill/>
+            <a:miter lim="800000"/>
+            <a:headEnd/>
+            <a:tailEnd/>
+          </a:ln>
+        </p:spPr>
+      </p:pic>
+    </p:spTree>
+    <p:extLst>
+      <p:ext uri="{BB962C8B-B14F-4D97-AF65-F5344CB8AC3E}">
+        <p14:creationId xmlns:p14="http://schemas.microsoft.com/office/powerpoint/2010/main" val="308542093"/>
+      </p:ext>
+    </p:extLst>
   </p:cSld>
   <p:clrMapOvr>
     <a:masterClrMapping/>

--- a/Dhatshana-batch.pptx
+++ b/Dhatshana-batch.pptx
@@ -372,7 +372,7 @@
     </p:spTree>
     <p:extLst>
       <p:ext uri="{BB962C8B-B14F-4D97-AF65-F5344CB8AC3E}">
-        <p14:creationId xmlns:p14="http://schemas.microsoft.com/office/powerpoint/2010/main" val="882880832"/>
+        <p14:creationId xmlns:p14="http://schemas.microsoft.com/office/powerpoint/2010/main" xmlns="" val="882880832"/>
       </p:ext>
     </p:extLst>
   </p:cSld>
@@ -3524,20 +3524,10 @@
         </p:spPr>
         <p:txBody>
           <a:bodyPr>
-            <a:normAutofit/>
+            <a:normAutofit fontScale="90000"/>
           </a:bodyPr>
           <a:lstStyle/>
           <a:p>
-            <a:r>
-              <a:rPr lang="en-US" dirty="0" smtClean="0">
-                <a:solidFill>
-                  <a:schemeClr val="bg2">
-                    <a:lumMod val="10000"/>
-                  </a:schemeClr>
-                </a:solidFill>
-              </a:rPr>
-              <a:t> </a:t>
-            </a:r>
             <a:r>
               <a:rPr lang="en-US" dirty="0" smtClean="0">
                 <a:solidFill>
@@ -3553,7 +3543,41 @@
                   </a:outerShdw>
                 </a:effectLst>
               </a:rPr>
-              <a:t>ARP SNIFFER IN OPEN WIFI</a:t>
+              <a:t>To stop MITM attack in Open </a:t>
+            </a:r>
+            <a:r>
+              <a:rPr lang="en-US" dirty="0" err="1" smtClean="0">
+                <a:solidFill>
+                  <a:schemeClr val="bg2">
+                    <a:lumMod val="10000"/>
+                  </a:schemeClr>
+                </a:solidFill>
+                <a:effectLst>
+                  <a:outerShdw blurRad="38100" dist="38100" dir="2700000" algn="tl">
+                    <a:srgbClr val="000000">
+                      <a:alpha val="43137"/>
+                    </a:srgbClr>
+                  </a:outerShdw>
+                </a:effectLst>
+              </a:rPr>
+              <a:t>wifi</a:t>
+            </a:r>
+            <a:r>
+              <a:rPr lang="en-US" dirty="0" smtClean="0">
+                <a:solidFill>
+                  <a:schemeClr val="bg2">
+                    <a:lumMod val="10000"/>
+                  </a:schemeClr>
+                </a:solidFill>
+                <a:effectLst>
+                  <a:outerShdw blurRad="38100" dist="38100" dir="2700000" algn="tl">
+                    <a:srgbClr val="000000">
+                      <a:alpha val="43137"/>
+                    </a:srgbClr>
+                  </a:outerShdw>
+                </a:effectLst>
+              </a:rPr>
+              <a:t> using bash scripting.</a:t>
             </a:r>
             <a:endParaRPr lang="en-US" dirty="0">
               <a:solidFill>
@@ -4018,16 +4042,20 @@
           <a:p>
             <a:pPr algn="ctr"/>
             <a:r>
+              <a:rPr lang="en-US" sz="2800" b="1" dirty="0" smtClean="0"/>
+              <a:t>To stop the MITM of ARP poisoning in open </a:t>
+            </a:r>
+            <a:r>
+              <a:rPr lang="en-US" sz="2800" b="1" dirty="0" err="1" smtClean="0"/>
+              <a:t>wifi</a:t>
+            </a:r>
+            <a:r>
+              <a:rPr lang="en-US" sz="2800" b="1" dirty="0" smtClean="0"/>
+              <a:t> and to establishing secure local infra structure</a:t>
+            </a:r>
+            <a:r>
               <a:rPr lang="en-US" sz="2800" dirty="0" smtClean="0"/>
-              <a:t>To stop the MITM of ARP poisoning in open </a:t>
-            </a:r>
-            <a:r>
-              <a:rPr lang="en-US" sz="2800" dirty="0" err="1" smtClean="0"/>
-              <a:t>wifi</a:t>
-            </a:r>
-            <a:r>
-              <a:rPr lang="en-US" sz="2800" dirty="0" smtClean="0"/>
-              <a:t> and to establishing secure local infra structure.</a:t>
+              <a:t>.</a:t>
             </a:r>
           </a:p>
           <a:p>
@@ -4139,7 +4167,7 @@
         <p:spPr>
           <a:xfrm>
             <a:off x="609600" y="1143000"/>
-            <a:ext cx="8229600" cy="6001643"/>
+            <a:ext cx="8229600" cy="6647974"/>
           </a:xfrm>
           <a:prstGeom prst="rect">
             <a:avLst/>
@@ -4160,12 +4188,27 @@
               <a:buChar char="•"/>
             </a:pPr>
             <a:r>
-              <a:rPr lang="en-US" sz="2800" b="1" dirty="0" smtClean="0"/>
-              <a:t> </a:t>
-            </a:r>
-            <a:r>
-              <a:rPr lang="en-US" sz="2800" dirty="0" smtClean="0"/>
-              <a:t>One of the most predominant attacks against  institutions as well as individuals is the Man-in- the Middle attack.</a:t>
+              <a:rPr lang="en-IN" sz="2800" dirty="0" smtClean="0"/>
+              <a:t> Vulnerabilities eavesdrop </a:t>
+            </a:r>
+            <a:r>
+              <a:rPr lang="en-IN" sz="2800" dirty="0" smtClean="0"/>
+              <a:t>on </a:t>
+            </a:r>
+            <a:r>
+              <a:rPr lang="en-IN" sz="2800" dirty="0" smtClean="0"/>
+              <a:t>communications LAN           </a:t>
+            </a:r>
+          </a:p>
+          <a:p>
+            <a:pPr>
+              <a:lnSpc>
+                <a:spcPct val="150000"/>
+              </a:lnSpc>
+            </a:pPr>
+            <a:r>
+              <a:rPr lang="en-IN" sz="2800" dirty="0" smtClean="0"/>
+              <a:t>   network.</a:t>
             </a:r>
           </a:p>
           <a:p>
@@ -4177,8 +4220,16 @@
               <a:buChar char="•"/>
             </a:pPr>
             <a:r>
-              <a:rPr lang="en-US" sz="2800" dirty="0" smtClean="0"/>
-              <a:t> Request-Response protocol.</a:t>
+              <a:rPr lang="en-IN" sz="2800" dirty="0" smtClean="0"/>
+              <a:t> link </a:t>
+            </a:r>
+            <a:r>
+              <a:rPr lang="en-IN" sz="2800" dirty="0" smtClean="0"/>
+              <a:t>layer </a:t>
+            </a:r>
+            <a:r>
+              <a:rPr lang="en-IN" sz="2800" dirty="0" smtClean="0"/>
+              <a:t>address.</a:t>
             </a:r>
           </a:p>
           <a:p>
@@ -4190,8 +4241,8 @@
               <a:buChar char="•"/>
             </a:pPr>
             <a:r>
-              <a:rPr lang="en-US" sz="2800" dirty="0" smtClean="0"/>
-              <a:t> Inside the link layer protocol.</a:t>
+              <a:rPr lang="en-IN" sz="2800" dirty="0" smtClean="0"/>
+              <a:t> Internet plays a vital role in our daily life.</a:t>
             </a:r>
           </a:p>
           <a:p>
@@ -4203,21 +4254,64 @@
               <a:buChar char="•"/>
             </a:pPr>
             <a:r>
-              <a:rPr lang="en-US" sz="2800" dirty="0" smtClean="0"/>
-              <a:t> Using Bash scripting in </a:t>
-            </a:r>
-            <a:r>
-              <a:rPr lang="en-US" sz="2800" b="1" dirty="0" err="1" smtClean="0"/>
-              <a:t>debian</a:t>
-            </a:r>
-            <a:r>
-              <a:rPr lang="en-US" sz="2800" dirty="0" smtClean="0"/>
-              <a:t> based system to prevent this attack</a:t>
-            </a:r>
-            <a:r>
-              <a:rPr lang="en-US" sz="2800" b="1" dirty="0" smtClean="0"/>
-              <a:t>.</a:t>
-            </a:r>
+              <a:rPr lang="en-IN" sz="2800" dirty="0" smtClean="0"/>
+              <a:t> Using </a:t>
+            </a:r>
+            <a:r>
+              <a:rPr lang="en-IN" sz="2800" dirty="0" err="1" smtClean="0"/>
+              <a:t>Debian</a:t>
+            </a:r>
+            <a:r>
+              <a:rPr lang="en-IN" sz="2800" dirty="0" smtClean="0"/>
+              <a:t> based system.</a:t>
+            </a:r>
+          </a:p>
+          <a:p>
+            <a:pPr>
+              <a:lnSpc>
+                <a:spcPct val="150000"/>
+              </a:lnSpc>
+              <a:buFont typeface="Arial" pitchFamily="34" charset="0"/>
+              <a:buChar char="•"/>
+            </a:pPr>
+            <a:r>
+              <a:rPr lang="en-IN" sz="2800" dirty="0" smtClean="0"/>
+              <a:t> </a:t>
+            </a:r>
+            <a:r>
+              <a:rPr lang="en-IN" sz="2800" dirty="0" err="1" smtClean="0"/>
+              <a:t>Ettercap</a:t>
+            </a:r>
+            <a:r>
+              <a:rPr lang="en-IN" sz="2800" dirty="0" smtClean="0"/>
+              <a:t> and </a:t>
+            </a:r>
+            <a:r>
+              <a:rPr lang="en-IN" sz="2800" dirty="0" err="1" smtClean="0"/>
+              <a:t>wireshark</a:t>
+            </a:r>
+            <a:r>
+              <a:rPr lang="en-IN" sz="2800" dirty="0" smtClean="0"/>
+              <a:t> tool.</a:t>
+            </a:r>
+          </a:p>
+          <a:p>
+            <a:pPr>
+              <a:lnSpc>
+                <a:spcPct val="150000"/>
+              </a:lnSpc>
+            </a:pPr>
+            <a:endParaRPr lang="en-IN" sz="2800" dirty="0" smtClean="0"/>
+          </a:p>
+          <a:p>
+            <a:pPr>
+              <a:lnSpc>
+                <a:spcPct val="150000"/>
+              </a:lnSpc>
+              <a:buFont typeface="Arial" pitchFamily="34" charset="0"/>
+              <a:buChar char="•"/>
+            </a:pPr>
+            <a:endParaRPr lang="en-US" sz="2800" b="1" dirty="0" smtClean="0"/>
           </a:p>
           <a:p>
             <a:pPr lvl="1">
@@ -4362,8 +4456,41 @@
           <a:p>
             <a:r>
               <a:rPr lang="en-US" sz="2800" dirty="0" smtClean="0"/>
-              <a:t>FTP ,Telnet, session hijacking</a:t>
-            </a:r>
+              <a:t>FTP ,Telnet, Session </a:t>
+            </a:r>
+            <a:r>
+              <a:rPr lang="en-US" sz="2800" dirty="0" smtClean="0"/>
+              <a:t>H</a:t>
+            </a:r>
+            <a:r>
+              <a:rPr lang="en-US" sz="2800" dirty="0" smtClean="0"/>
+              <a:t>ijacking, </a:t>
+            </a:r>
+            <a:r>
+              <a:rPr lang="en-IN" sz="2800" dirty="0" smtClean="0"/>
+              <a:t>packet </a:t>
+            </a:r>
+            <a:r>
+              <a:rPr lang="en-IN" sz="2800" dirty="0" smtClean="0"/>
+              <a:t>filtering,</a:t>
+            </a:r>
+            <a:r>
+              <a:rPr lang="en-IN" sz="2800" dirty="0" smtClean="0"/>
+              <a:t> DNS </a:t>
+            </a:r>
+            <a:r>
+              <a:rPr lang="en-IN" sz="2800" dirty="0" smtClean="0"/>
+              <a:t>spoofing,</a:t>
+            </a:r>
+            <a:r>
+              <a:rPr lang="en-IN" sz="2800" dirty="0" smtClean="0"/>
+              <a:t> port </a:t>
+            </a:r>
+            <a:r>
+              <a:rPr lang="en-IN" sz="2800" dirty="0" smtClean="0"/>
+              <a:t>stealing.</a:t>
+            </a:r>
+            <a:endParaRPr lang="en-US" sz="2800" dirty="0" smtClean="0"/>
           </a:p>
         </p:txBody>
       </p:sp>
@@ -4842,7 +4969,7 @@
             <p:ph idx="1"/>
             <p:extLst>
               <p:ext uri="{D42A27DB-BD31-4B8C-83A1-F6EECF244321}">
-                <p14:modId xmlns:p14="http://schemas.microsoft.com/office/powerpoint/2010/main" val="1276907122"/>
+                <p14:modId xmlns:p14="http://schemas.microsoft.com/office/powerpoint/2010/main" xmlns="" val="1276907122"/>
               </p:ext>
             </p:extLst>
           </p:nvPr>
@@ -5782,8 +5909,8 @@
         </p:blipFill>
         <p:spPr bwMode="auto">
           <a:xfrm>
-            <a:off x="1066800" y="1209676"/>
-            <a:ext cx="7010400" cy="4800600"/>
+            <a:off x="685800" y="838200"/>
+            <a:ext cx="7010400" cy="5114924"/>
           </a:xfrm>
           <a:prstGeom prst="rect">
             <a:avLst/>
@@ -5800,7 +5927,7 @@
     </p:spTree>
     <p:extLst>
       <p:ext uri="{BB962C8B-B14F-4D97-AF65-F5344CB8AC3E}">
-        <p14:creationId xmlns:p14="http://schemas.microsoft.com/office/powerpoint/2010/main" val="308542093"/>
+        <p14:creationId xmlns:p14="http://schemas.microsoft.com/office/powerpoint/2010/main" xmlns="" val="308542093"/>
       </p:ext>
     </p:extLst>
   </p:cSld>

--- a/Dhatshana-batch.pptx
+++ b/Dhatshana-batch.pptx
@@ -4455,8 +4455,12 @@
           </a:p>
           <a:p>
             <a:r>
+              <a:rPr lang="en-US" sz="2800" smtClean="0"/>
+              <a:t>Telnet</a:t>
+            </a:r>
+            <a:r>
               <a:rPr lang="en-US" sz="2800" dirty="0" smtClean="0"/>
-              <a:t>FTP ,Telnet, Session </a:t>
+              <a:t>, Session </a:t>
             </a:r>
             <a:r>
               <a:rPr lang="en-US" sz="2800" dirty="0" smtClean="0"/>
